--- a/Presentation_project_UDrive.pptx
+++ b/Presentation_project_UDrive.pptx
@@ -172,7 +172,7 @@
           <a:noFill/>
           <a:extLst>
             <a:ext uri="{909E8E84-426E-40dd-AFC4-6F175D3DCCD1}">
-              <a14:hiddenFill xmlns="" xmlns:a14="http://schemas.microsoft.com/office/drawing/2010/main">
+              <a14:hiddenFill xmlns:a14="http://schemas.microsoft.com/office/drawing/2010/main" xmlns="">
                 <a:solidFill>
                   <a:srgbClr val="FFFFFF"/>
                 </a:solidFill>
@@ -232,7 +232,7 @@
             </a:ln>
             <a:extLst>
               <a:ext uri="{91240B29-F687-4f45-9708-019B960494DF}">
-                <a14:hiddenLine xmlns="" xmlns:a14="http://schemas.microsoft.com/office/drawing/2010/main" w="9525">
+                <a14:hiddenLine xmlns:a14="http://schemas.microsoft.com/office/drawing/2010/main" xmlns="" w="9525">
                   <a:solidFill>
                     <a:srgbClr val="000000"/>
                   </a:solidFill>
@@ -322,7 +322,7 @@
             </a:ln>
             <a:extLst>
               <a:ext uri="{91240B29-F687-4f45-9708-019B960494DF}">
-                <a14:hiddenLine xmlns="" xmlns:a14="http://schemas.microsoft.com/office/drawing/2010/main" w="9525">
+                <a14:hiddenLine xmlns:a14="http://schemas.microsoft.com/office/drawing/2010/main" xmlns="" w="9525">
                   <a:solidFill>
                     <a:srgbClr val="000000"/>
                   </a:solidFill>
@@ -412,7 +412,7 @@
             </a:ln>
             <a:extLst>
               <a:ext uri="{91240B29-F687-4f45-9708-019B960494DF}">
-                <a14:hiddenLine xmlns="" xmlns:a14="http://schemas.microsoft.com/office/drawing/2010/main" w="9525">
+                <a14:hiddenLine xmlns:a14="http://schemas.microsoft.com/office/drawing/2010/main" xmlns="" w="9525">
                   <a:solidFill>
                     <a:srgbClr val="000000"/>
                   </a:solidFill>
@@ -446,7 +446,7 @@
             </a:ln>
             <a:extLst>
               <a:ext uri="{91240B29-F687-4f45-9708-019B960494DF}">
-                <a14:hiddenLine xmlns="" xmlns:a14="http://schemas.microsoft.com/office/drawing/2010/main" w="9525">
+                <a14:hiddenLine xmlns:a14="http://schemas.microsoft.com/office/drawing/2010/main" xmlns="" w="9525">
                   <a:solidFill>
                     <a:srgbClr val="000000"/>
                   </a:solidFill>
@@ -536,7 +536,7 @@
             </a:ln>
             <a:extLst>
               <a:ext uri="{91240B29-F687-4f45-9708-019B960494DF}">
-                <a14:hiddenLine xmlns="" xmlns:a14="http://schemas.microsoft.com/office/drawing/2010/main" w="9525">
+                <a14:hiddenLine xmlns:a14="http://schemas.microsoft.com/office/drawing/2010/main" xmlns="" w="9525">
                   <a:solidFill>
                     <a:srgbClr val="000000"/>
                   </a:solidFill>
@@ -598,7 +598,7 @@
             </a:ln>
             <a:extLst>
               <a:ext uri="{91240B29-F687-4f45-9708-019B960494DF}">
-                <a14:hiddenLine xmlns="" xmlns:a14="http://schemas.microsoft.com/office/drawing/2010/main" w="9525">
+                <a14:hiddenLine xmlns:a14="http://schemas.microsoft.com/office/drawing/2010/main" xmlns="" w="9525">
                   <a:solidFill>
                     <a:srgbClr val="000000"/>
                   </a:solidFill>
@@ -660,7 +660,7 @@
             </a:ln>
             <a:extLst>
               <a:ext uri="{91240B29-F687-4f45-9708-019B960494DF}">
-                <a14:hiddenLine xmlns="" xmlns:a14="http://schemas.microsoft.com/office/drawing/2010/main" w="9525">
+                <a14:hiddenLine xmlns:a14="http://schemas.microsoft.com/office/drawing/2010/main" xmlns="" w="9525">
                   <a:solidFill>
                     <a:srgbClr val="000000"/>
                   </a:solidFill>
@@ -750,7 +750,7 @@
             </a:ln>
             <a:extLst>
               <a:ext uri="{91240B29-F687-4f45-9708-019B960494DF}">
-                <a14:hiddenLine xmlns="" xmlns:a14="http://schemas.microsoft.com/office/drawing/2010/main" w="9525">
+                <a14:hiddenLine xmlns:a14="http://schemas.microsoft.com/office/drawing/2010/main" xmlns="" w="9525">
                   <a:solidFill>
                     <a:srgbClr val="000000"/>
                   </a:solidFill>
@@ -812,7 +812,7 @@
             </a:ln>
             <a:extLst>
               <a:ext uri="{91240B29-F687-4f45-9708-019B960494DF}">
-                <a14:hiddenLine xmlns="" xmlns:a14="http://schemas.microsoft.com/office/drawing/2010/main" w="9525">
+                <a14:hiddenLine xmlns:a14="http://schemas.microsoft.com/office/drawing/2010/main" xmlns="" w="9525">
                   <a:solidFill>
                     <a:srgbClr val="000000"/>
                   </a:solidFill>
@@ -874,7 +874,7 @@
             </a:ln>
             <a:extLst>
               <a:ext uri="{91240B29-F687-4f45-9708-019B960494DF}">
-                <a14:hiddenLine xmlns="" xmlns:a14="http://schemas.microsoft.com/office/drawing/2010/main" w="9525">
+                <a14:hiddenLine xmlns:a14="http://schemas.microsoft.com/office/drawing/2010/main" xmlns="" w="9525">
                   <a:solidFill>
                     <a:srgbClr val="000000"/>
                   </a:solidFill>
@@ -964,7 +964,7 @@
             </a:ln>
             <a:extLst>
               <a:ext uri="{91240B29-F687-4f45-9708-019B960494DF}">
-                <a14:hiddenLine xmlns="" xmlns:a14="http://schemas.microsoft.com/office/drawing/2010/main" w="9525">
+                <a14:hiddenLine xmlns:a14="http://schemas.microsoft.com/office/drawing/2010/main" xmlns="" w="9525">
                   <a:solidFill>
                     <a:srgbClr val="000000"/>
                   </a:solidFill>
@@ -1054,7 +1054,7 @@
             </a:ln>
             <a:extLst>
               <a:ext uri="{91240B29-F687-4f45-9708-019B960494DF}">
-                <a14:hiddenLine xmlns="" xmlns:a14="http://schemas.microsoft.com/office/drawing/2010/main" w="9525">
+                <a14:hiddenLine xmlns:a14="http://schemas.microsoft.com/office/drawing/2010/main" xmlns="" w="9525">
                   <a:solidFill>
                     <a:srgbClr val="000000"/>
                   </a:solidFill>
@@ -1116,7 +1116,7 @@
             </a:ln>
             <a:extLst>
               <a:ext uri="{91240B29-F687-4f45-9708-019B960494DF}">
-                <a14:hiddenLine xmlns="" xmlns:a14="http://schemas.microsoft.com/office/drawing/2010/main" w="9525">
+                <a14:hiddenLine xmlns:a14="http://schemas.microsoft.com/office/drawing/2010/main" xmlns="" w="9525">
                   <a:solidFill>
                     <a:srgbClr val="000000"/>
                   </a:solidFill>
@@ -1226,7 +1226,7 @@
             </a:ln>
             <a:extLst>
               <a:ext uri="{91240B29-F687-4f45-9708-019B960494DF}">
-                <a14:hiddenLine xmlns="" xmlns:a14="http://schemas.microsoft.com/office/drawing/2010/main" w="9525">
+                <a14:hiddenLine xmlns:a14="http://schemas.microsoft.com/office/drawing/2010/main" xmlns="" w="9525">
                   <a:solidFill>
                     <a:srgbClr val="000000"/>
                   </a:solidFill>
@@ -1288,7 +1288,7 @@
             </a:ln>
             <a:extLst>
               <a:ext uri="{91240B29-F687-4f45-9708-019B960494DF}">
-                <a14:hiddenLine xmlns="" xmlns:a14="http://schemas.microsoft.com/office/drawing/2010/main" w="9525">
+                <a14:hiddenLine xmlns:a14="http://schemas.microsoft.com/office/drawing/2010/main" xmlns="" w="9525">
                   <a:solidFill>
                     <a:srgbClr val="000000"/>
                   </a:solidFill>
@@ -1378,7 +1378,7 @@
             </a:ln>
             <a:extLst>
               <a:ext uri="{91240B29-F687-4f45-9708-019B960494DF}">
-                <a14:hiddenLine xmlns="" xmlns:a14="http://schemas.microsoft.com/office/drawing/2010/main" w="9525">
+                <a14:hiddenLine xmlns:a14="http://schemas.microsoft.com/office/drawing/2010/main" xmlns="" w="9525">
                   <a:solidFill>
                     <a:srgbClr val="000000"/>
                   </a:solidFill>
@@ -1468,7 +1468,7 @@
             </a:ln>
             <a:extLst>
               <a:ext uri="{91240B29-F687-4f45-9708-019B960494DF}">
-                <a14:hiddenLine xmlns="" xmlns:a14="http://schemas.microsoft.com/office/drawing/2010/main" w="9525">
+                <a14:hiddenLine xmlns:a14="http://schemas.microsoft.com/office/drawing/2010/main" xmlns="" w="9525">
                   <a:solidFill>
                     <a:srgbClr val="000000"/>
                   </a:solidFill>
@@ -1530,7 +1530,7 @@
             </a:ln>
             <a:extLst>
               <a:ext uri="{91240B29-F687-4f45-9708-019B960494DF}">
-                <a14:hiddenLine xmlns="" xmlns:a14="http://schemas.microsoft.com/office/drawing/2010/main" w="9525">
+                <a14:hiddenLine xmlns:a14="http://schemas.microsoft.com/office/drawing/2010/main" xmlns="" w="9525">
                   <a:solidFill>
                     <a:srgbClr val="000000"/>
                   </a:solidFill>
@@ -1620,7 +1620,7 @@
             </a:ln>
             <a:extLst>
               <a:ext uri="{91240B29-F687-4f45-9708-019B960494DF}">
-                <a14:hiddenLine xmlns="" xmlns:a14="http://schemas.microsoft.com/office/drawing/2010/main" w="9525">
+                <a14:hiddenLine xmlns:a14="http://schemas.microsoft.com/office/drawing/2010/main" xmlns="" w="9525">
                   <a:solidFill>
                     <a:srgbClr val="000000"/>
                   </a:solidFill>
@@ -1710,7 +1710,7 @@
             </a:ln>
             <a:extLst>
               <a:ext uri="{91240B29-F687-4f45-9708-019B960494DF}">
-                <a14:hiddenLine xmlns="" xmlns:a14="http://schemas.microsoft.com/office/drawing/2010/main" w="9525">
+                <a14:hiddenLine xmlns:a14="http://schemas.microsoft.com/office/drawing/2010/main" xmlns="" w="9525">
                   <a:solidFill>
                     <a:srgbClr val="000000"/>
                   </a:solidFill>
@@ -1766,7 +1766,7 @@
             </a:ln>
             <a:extLst>
               <a:ext uri="{91240B29-F687-4f45-9708-019B960494DF}">
-                <a14:hiddenLine xmlns="" xmlns:a14="http://schemas.microsoft.com/office/drawing/2010/main" w="9525">
+                <a14:hiddenLine xmlns:a14="http://schemas.microsoft.com/office/drawing/2010/main" xmlns="" w="9525">
                   <a:solidFill>
                     <a:srgbClr val="000000"/>
                   </a:solidFill>
@@ -1856,7 +1856,7 @@
             </a:ln>
             <a:extLst>
               <a:ext uri="{91240B29-F687-4f45-9708-019B960494DF}">
-                <a14:hiddenLine xmlns="" xmlns:a14="http://schemas.microsoft.com/office/drawing/2010/main" w="9525">
+                <a14:hiddenLine xmlns:a14="http://schemas.microsoft.com/office/drawing/2010/main" xmlns="" w="9525">
                   <a:solidFill>
                     <a:srgbClr val="000000"/>
                   </a:solidFill>
@@ -1912,7 +1912,7 @@
             </a:ln>
             <a:extLst>
               <a:ext uri="{91240B29-F687-4f45-9708-019B960494DF}">
-                <a14:hiddenLine xmlns="" xmlns:a14="http://schemas.microsoft.com/office/drawing/2010/main" w="9525">
+                <a14:hiddenLine xmlns:a14="http://schemas.microsoft.com/office/drawing/2010/main" xmlns="" w="9525">
                   <a:solidFill>
                     <a:srgbClr val="000000"/>
                   </a:solidFill>
@@ -2002,7 +2002,7 @@
             </a:ln>
             <a:extLst>
               <a:ext uri="{91240B29-F687-4f45-9708-019B960494DF}">
-                <a14:hiddenLine xmlns="" xmlns:a14="http://schemas.microsoft.com/office/drawing/2010/main" w="9525">
+                <a14:hiddenLine xmlns:a14="http://schemas.microsoft.com/office/drawing/2010/main" xmlns="" w="9525">
                   <a:solidFill>
                     <a:srgbClr val="000000"/>
                   </a:solidFill>
@@ -2070,7 +2070,7 @@
             </a:ln>
             <a:extLst>
               <a:ext uri="{91240B29-F687-4f45-9708-019B960494DF}">
-                <a14:hiddenLine xmlns="" xmlns:a14="http://schemas.microsoft.com/office/drawing/2010/main" w="9525">
+                <a14:hiddenLine xmlns:a14="http://schemas.microsoft.com/office/drawing/2010/main" xmlns="" w="9525">
                   <a:solidFill>
                     <a:srgbClr val="000000"/>
                   </a:solidFill>
@@ -2160,7 +2160,7 @@
             </a:ln>
             <a:extLst>
               <a:ext uri="{91240B29-F687-4f45-9708-019B960494DF}">
-                <a14:hiddenLine xmlns="" xmlns:a14="http://schemas.microsoft.com/office/drawing/2010/main" w="9525">
+                <a14:hiddenLine xmlns:a14="http://schemas.microsoft.com/office/drawing/2010/main" xmlns="" w="9525">
                   <a:solidFill>
                     <a:srgbClr val="000000"/>
                   </a:solidFill>
@@ -2228,7 +2228,7 @@
             </a:ln>
             <a:extLst>
               <a:ext uri="{91240B29-F687-4f45-9708-019B960494DF}">
-                <a14:hiddenLine xmlns="" xmlns:a14="http://schemas.microsoft.com/office/drawing/2010/main" w="9525">
+                <a14:hiddenLine xmlns:a14="http://schemas.microsoft.com/office/drawing/2010/main" xmlns="" w="9525">
                   <a:solidFill>
                     <a:srgbClr val="000000"/>
                   </a:solidFill>
@@ -2318,7 +2318,7 @@
             </a:ln>
             <a:extLst>
               <a:ext uri="{91240B29-F687-4f45-9708-019B960494DF}">
-                <a14:hiddenLine xmlns="" xmlns:a14="http://schemas.microsoft.com/office/drawing/2010/main" w="9525">
+                <a14:hiddenLine xmlns:a14="http://schemas.microsoft.com/office/drawing/2010/main" xmlns="" w="9525">
                   <a:solidFill>
                     <a:srgbClr val="000000"/>
                   </a:solidFill>
@@ -2352,7 +2352,7 @@
             </a:ln>
             <a:extLst>
               <a:ext uri="{91240B29-F687-4f45-9708-019B960494DF}">
-                <a14:hiddenLine xmlns="" xmlns:a14="http://schemas.microsoft.com/office/drawing/2010/main" w="9525">
+                <a14:hiddenLine xmlns:a14="http://schemas.microsoft.com/office/drawing/2010/main" xmlns="" w="9525">
                   <a:solidFill>
                     <a:srgbClr val="000000"/>
                   </a:solidFill>
@@ -2442,7 +2442,7 @@
             </a:ln>
             <a:extLst>
               <a:ext uri="{91240B29-F687-4f45-9708-019B960494DF}">
-                <a14:hiddenLine xmlns="" xmlns:a14="http://schemas.microsoft.com/office/drawing/2010/main" w="9525">
+                <a14:hiddenLine xmlns:a14="http://schemas.microsoft.com/office/drawing/2010/main" xmlns="" w="9525">
                   <a:solidFill>
                     <a:srgbClr val="000000"/>
                   </a:solidFill>
@@ -2504,7 +2504,7 @@
             </a:ln>
             <a:extLst>
               <a:ext uri="{91240B29-F687-4f45-9708-019B960494DF}">
-                <a14:hiddenLine xmlns="" xmlns:a14="http://schemas.microsoft.com/office/drawing/2010/main" w="9525">
+                <a14:hiddenLine xmlns:a14="http://schemas.microsoft.com/office/drawing/2010/main" xmlns="" w="9525">
                   <a:solidFill>
                     <a:srgbClr val="000000"/>
                   </a:solidFill>
@@ -2566,7 +2566,7 @@
             </a:ln>
             <a:extLst>
               <a:ext uri="{91240B29-F687-4f45-9708-019B960494DF}">
-                <a14:hiddenLine xmlns="" xmlns:a14="http://schemas.microsoft.com/office/drawing/2010/main" w="9525">
+                <a14:hiddenLine xmlns:a14="http://schemas.microsoft.com/office/drawing/2010/main" xmlns="" w="9525">
                   <a:solidFill>
                     <a:srgbClr val="000000"/>
                   </a:solidFill>
@@ -2656,7 +2656,7 @@
             </a:ln>
             <a:extLst>
               <a:ext uri="{91240B29-F687-4f45-9708-019B960494DF}">
-                <a14:hiddenLine xmlns="" xmlns:a14="http://schemas.microsoft.com/office/drawing/2010/main" w="9525">
+                <a14:hiddenLine xmlns:a14="http://schemas.microsoft.com/office/drawing/2010/main" xmlns="" w="9525">
                   <a:solidFill>
                     <a:srgbClr val="000000"/>
                   </a:solidFill>
@@ -2724,7 +2724,7 @@
             </a:ln>
             <a:extLst>
               <a:ext uri="{91240B29-F687-4f45-9708-019B960494DF}">
-                <a14:hiddenLine xmlns="" xmlns:a14="http://schemas.microsoft.com/office/drawing/2010/main" w="9525">
+                <a14:hiddenLine xmlns:a14="http://schemas.microsoft.com/office/drawing/2010/main" xmlns="" w="9525">
                   <a:solidFill>
                     <a:srgbClr val="000000"/>
                   </a:solidFill>
@@ -2786,7 +2786,7 @@
             </a:ln>
             <a:extLst>
               <a:ext uri="{91240B29-F687-4f45-9708-019B960494DF}">
-                <a14:hiddenLine xmlns="" xmlns:a14="http://schemas.microsoft.com/office/drawing/2010/main" w="9525">
+                <a14:hiddenLine xmlns:a14="http://schemas.microsoft.com/office/drawing/2010/main" xmlns="" w="9525">
                   <a:solidFill>
                     <a:srgbClr val="000000"/>
                   </a:solidFill>
@@ -2876,7 +2876,7 @@
             </a:ln>
             <a:extLst>
               <a:ext uri="{91240B29-F687-4f45-9708-019B960494DF}">
-                <a14:hiddenLine xmlns="" xmlns:a14="http://schemas.microsoft.com/office/drawing/2010/main" w="9525">
+                <a14:hiddenLine xmlns:a14="http://schemas.microsoft.com/office/drawing/2010/main" xmlns="" w="9525">
                   <a:solidFill>
                     <a:srgbClr val="000000"/>
                   </a:solidFill>
@@ -2938,7 +2938,7 @@
             </a:ln>
             <a:extLst>
               <a:ext uri="{91240B29-F687-4f45-9708-019B960494DF}">
-                <a14:hiddenLine xmlns="" xmlns:a14="http://schemas.microsoft.com/office/drawing/2010/main" w="9525">
+                <a14:hiddenLine xmlns:a14="http://schemas.microsoft.com/office/drawing/2010/main" xmlns="" w="9525">
                   <a:solidFill>
                     <a:srgbClr val="000000"/>
                   </a:solidFill>
@@ -3028,7 +3028,7 @@
             </a:ln>
             <a:extLst>
               <a:ext uri="{91240B29-F687-4f45-9708-019B960494DF}">
-                <a14:hiddenLine xmlns="" xmlns:a14="http://schemas.microsoft.com/office/drawing/2010/main" w="9525">
+                <a14:hiddenLine xmlns:a14="http://schemas.microsoft.com/office/drawing/2010/main" xmlns="" w="9525">
                   <a:solidFill>
                     <a:srgbClr val="000000"/>
                   </a:solidFill>
@@ -3090,7 +3090,7 @@
             </a:ln>
             <a:extLst>
               <a:ext uri="{91240B29-F687-4f45-9708-019B960494DF}">
-                <a14:hiddenLine xmlns="" xmlns:a14="http://schemas.microsoft.com/office/drawing/2010/main" w="9525">
+                <a14:hiddenLine xmlns:a14="http://schemas.microsoft.com/office/drawing/2010/main" xmlns="" w="9525">
                   <a:solidFill>
                     <a:srgbClr val="000000"/>
                   </a:solidFill>
@@ -3180,7 +3180,7 @@
             </a:ln>
             <a:extLst>
               <a:ext uri="{91240B29-F687-4f45-9708-019B960494DF}">
-                <a14:hiddenLine xmlns="" xmlns:a14="http://schemas.microsoft.com/office/drawing/2010/main" w="9525">
+                <a14:hiddenLine xmlns:a14="http://schemas.microsoft.com/office/drawing/2010/main" xmlns="" w="9525">
                   <a:solidFill>
                     <a:srgbClr val="000000"/>
                   </a:solidFill>
@@ -3214,7 +3214,7 @@
             </a:ln>
             <a:extLst>
               <a:ext uri="{91240B29-F687-4f45-9708-019B960494DF}">
-                <a14:hiddenLine xmlns="" xmlns:a14="http://schemas.microsoft.com/office/drawing/2010/main" w="9525">
+                <a14:hiddenLine xmlns:a14="http://schemas.microsoft.com/office/drawing/2010/main" xmlns="" w="9525">
                   <a:solidFill>
                     <a:srgbClr val="000000"/>
                   </a:solidFill>
@@ -3279,7 +3279,7 @@
             </a:ln>
             <a:extLst>
               <a:ext uri="{91240B29-F687-4f45-9708-019B960494DF}">
-                <a14:hiddenLine xmlns="" xmlns:a14="http://schemas.microsoft.com/office/drawing/2010/main" w="9525">
+                <a14:hiddenLine xmlns:a14="http://schemas.microsoft.com/office/drawing/2010/main" xmlns="" w="9525">
                   <a:solidFill>
                     <a:srgbClr val="000000"/>
                   </a:solidFill>
@@ -3369,7 +3369,7 @@
             </a:ln>
             <a:extLst>
               <a:ext uri="{91240B29-F687-4f45-9708-019B960494DF}">
-                <a14:hiddenLine xmlns="" xmlns:a14="http://schemas.microsoft.com/office/drawing/2010/main" w="9525">
+                <a14:hiddenLine xmlns:a14="http://schemas.microsoft.com/office/drawing/2010/main" xmlns="" w="9525">
                   <a:solidFill>
                     <a:srgbClr val="000000"/>
                   </a:solidFill>
@@ -3431,7 +3431,7 @@
             </a:ln>
             <a:extLst>
               <a:ext uri="{91240B29-F687-4f45-9708-019B960494DF}">
-                <a14:hiddenLine xmlns="" xmlns:a14="http://schemas.microsoft.com/office/drawing/2010/main" w="9525">
+                <a14:hiddenLine xmlns:a14="http://schemas.microsoft.com/office/drawing/2010/main" xmlns="" w="9525">
                   <a:solidFill>
                     <a:srgbClr val="000000"/>
                   </a:solidFill>
@@ -3521,7 +3521,7 @@
             </a:ln>
             <a:extLst>
               <a:ext uri="{91240B29-F687-4f45-9708-019B960494DF}">
-                <a14:hiddenLine xmlns="" xmlns:a14="http://schemas.microsoft.com/office/drawing/2010/main" w="9525">
+                <a14:hiddenLine xmlns:a14="http://schemas.microsoft.com/office/drawing/2010/main" xmlns="" w="9525">
                   <a:solidFill>
                     <a:srgbClr val="000000"/>
                   </a:solidFill>
@@ -3611,7 +3611,7 @@
             </a:ln>
             <a:extLst>
               <a:ext uri="{91240B29-F687-4f45-9708-019B960494DF}">
-                <a14:hiddenLine xmlns="" xmlns:a14="http://schemas.microsoft.com/office/drawing/2010/main" w="9525">
+                <a14:hiddenLine xmlns:a14="http://schemas.microsoft.com/office/drawing/2010/main" xmlns="" w="9525">
                   <a:solidFill>
                     <a:srgbClr val="000000"/>
                   </a:solidFill>
@@ -3676,7 +3676,7 @@
             </a:ln>
             <a:extLst>
               <a:ext uri="{91240B29-F687-4f45-9708-019B960494DF}">
-                <a14:hiddenLine xmlns="" xmlns:a14="http://schemas.microsoft.com/office/drawing/2010/main" w="9525">
+                <a14:hiddenLine xmlns:a14="http://schemas.microsoft.com/office/drawing/2010/main" xmlns="" w="9525">
                   <a:solidFill>
                     <a:srgbClr val="000000"/>
                   </a:solidFill>
@@ -3738,7 +3738,7 @@
             </a:ln>
             <a:extLst>
               <a:ext uri="{91240B29-F687-4f45-9708-019B960494DF}">
-                <a14:hiddenLine xmlns="" xmlns:a14="http://schemas.microsoft.com/office/drawing/2010/main" w="9525">
+                <a14:hiddenLine xmlns:a14="http://schemas.microsoft.com/office/drawing/2010/main" xmlns="" w="9525">
                   <a:solidFill>
                     <a:srgbClr val="000000"/>
                   </a:solidFill>
@@ -3828,7 +3828,7 @@
             </a:ln>
             <a:extLst>
               <a:ext uri="{91240B29-F687-4f45-9708-019B960494DF}">
-                <a14:hiddenLine xmlns="" xmlns:a14="http://schemas.microsoft.com/office/drawing/2010/main" w="9525">
+                <a14:hiddenLine xmlns:a14="http://schemas.microsoft.com/office/drawing/2010/main" xmlns="" w="9525">
                   <a:solidFill>
                     <a:srgbClr val="000000"/>
                   </a:solidFill>
@@ -3918,7 +3918,7 @@
             </a:ln>
             <a:extLst>
               <a:ext uri="{91240B29-F687-4f45-9708-019B960494DF}">
-                <a14:hiddenLine xmlns="" xmlns:a14="http://schemas.microsoft.com/office/drawing/2010/main" w="9525">
+                <a14:hiddenLine xmlns:a14="http://schemas.microsoft.com/office/drawing/2010/main" xmlns="" w="9525">
                   <a:solidFill>
                     <a:srgbClr val="000000"/>
                   </a:solidFill>
@@ -3980,7 +3980,7 @@
             </a:ln>
             <a:extLst>
               <a:ext uri="{91240B29-F687-4f45-9708-019B960494DF}">
-                <a14:hiddenLine xmlns="" xmlns:a14="http://schemas.microsoft.com/office/drawing/2010/main" w="9525">
+                <a14:hiddenLine xmlns:a14="http://schemas.microsoft.com/office/drawing/2010/main" xmlns="" w="9525">
                   <a:solidFill>
                     <a:srgbClr val="000000"/>
                   </a:solidFill>
@@ -4100,7 +4100,7 @@
             </a:ln>
             <a:extLst>
               <a:ext uri="{91240B29-F687-4f45-9708-019B960494DF}">
-                <a14:hiddenLine xmlns="" xmlns:a14="http://schemas.microsoft.com/office/drawing/2010/main" w="9525">
+                <a14:hiddenLine xmlns:a14="http://schemas.microsoft.com/office/drawing/2010/main" xmlns="" w="9525">
                   <a:solidFill>
                     <a:srgbClr val="000000"/>
                   </a:solidFill>
@@ -4168,7 +4168,7 @@
             </a:ln>
             <a:extLst>
               <a:ext uri="{91240B29-F687-4f45-9708-019B960494DF}">
-                <a14:hiddenLine xmlns="" xmlns:a14="http://schemas.microsoft.com/office/drawing/2010/main" w="9525">
+                <a14:hiddenLine xmlns:a14="http://schemas.microsoft.com/office/drawing/2010/main" xmlns="" w="9525">
                   <a:solidFill>
                     <a:srgbClr val="000000"/>
                   </a:solidFill>
@@ -4258,7 +4258,7 @@
             </a:ln>
             <a:extLst>
               <a:ext uri="{91240B29-F687-4f45-9708-019B960494DF}">
-                <a14:hiddenLine xmlns="" xmlns:a14="http://schemas.microsoft.com/office/drawing/2010/main" w="9525">
+                <a14:hiddenLine xmlns:a14="http://schemas.microsoft.com/office/drawing/2010/main" xmlns="" w="9525">
                   <a:solidFill>
                     <a:srgbClr val="000000"/>
                   </a:solidFill>
@@ -4398,7 +4398,7 @@
           <a:p>
             <a:fld id="{EECECD58-3745-487F-ABCE-BEDA9DA6B41F}" type="datetimeFigureOut">
               <a:rPr lang="bg-BG" smtClean="0"/>
-              <a:t>25.1.2022 г.</a:t>
+              <a:t>6.6.2024 г.</a:t>
             </a:fld>
             <a:endParaRPr lang="bg-BG"/>
           </a:p>
@@ -4665,7 +4665,7 @@
           <a:p>
             <a:fld id="{EECECD58-3745-487F-ABCE-BEDA9DA6B41F}" type="datetimeFigureOut">
               <a:rPr lang="bg-BG" smtClean="0"/>
-              <a:t>25.1.2022 г.</a:t>
+              <a:t>6.6.2024 г.</a:t>
             </a:fld>
             <a:endParaRPr lang="bg-BG"/>
           </a:p>
@@ -4861,7 +4861,7 @@
           <a:p>
             <a:fld id="{EECECD58-3745-487F-ABCE-BEDA9DA6B41F}" type="datetimeFigureOut">
               <a:rPr lang="bg-BG" smtClean="0"/>
-              <a:t>25.1.2022 г.</a:t>
+              <a:t>6.6.2024 г.</a:t>
             </a:fld>
             <a:endParaRPr lang="bg-BG"/>
           </a:p>
@@ -5124,7 +5124,7 @@
           <a:p>
             <a:fld id="{EECECD58-3745-487F-ABCE-BEDA9DA6B41F}" type="datetimeFigureOut">
               <a:rPr lang="bg-BG" smtClean="0"/>
-              <a:t>25.1.2022 г.</a:t>
+              <a:t>6.6.2024 г.</a:t>
             </a:fld>
             <a:endParaRPr lang="bg-BG"/>
           </a:p>
@@ -5558,7 +5558,7 @@
           <a:p>
             <a:fld id="{EECECD58-3745-487F-ABCE-BEDA9DA6B41F}" type="datetimeFigureOut">
               <a:rPr lang="bg-BG" smtClean="0"/>
-              <a:t>25.1.2022 г.</a:t>
+              <a:t>6.6.2024 г.</a:t>
             </a:fld>
             <a:endParaRPr lang="bg-BG"/>
           </a:p>
@@ -6104,7 +6104,7 @@
           <a:p>
             <a:fld id="{EECECD58-3745-487F-ABCE-BEDA9DA6B41F}" type="datetimeFigureOut">
               <a:rPr lang="bg-BG" smtClean="0"/>
-              <a:t>25.1.2022 г.</a:t>
+              <a:t>6.6.2024 г.</a:t>
             </a:fld>
             <a:endParaRPr lang="bg-BG"/>
           </a:p>
@@ -6824,7 +6824,7 @@
           <a:p>
             <a:fld id="{EECECD58-3745-487F-ABCE-BEDA9DA6B41F}" type="datetimeFigureOut">
               <a:rPr lang="bg-BG" smtClean="0"/>
-              <a:t>25.1.2022 г.</a:t>
+              <a:t>6.6.2024 г.</a:t>
             </a:fld>
             <a:endParaRPr lang="bg-BG"/>
           </a:p>
@@ -6994,7 +6994,7 @@
           <a:p>
             <a:fld id="{EECECD58-3745-487F-ABCE-BEDA9DA6B41F}" type="datetimeFigureOut">
               <a:rPr lang="bg-BG" smtClean="0"/>
-              <a:t>25.1.2022 г.</a:t>
+              <a:t>6.6.2024 г.</a:t>
             </a:fld>
             <a:endParaRPr lang="bg-BG"/>
           </a:p>
@@ -7174,7 +7174,7 @@
           <a:p>
             <a:fld id="{EECECD58-3745-487F-ABCE-BEDA9DA6B41F}" type="datetimeFigureOut">
               <a:rPr lang="bg-BG" smtClean="0"/>
-              <a:t>25.1.2022 г.</a:t>
+              <a:t>6.6.2024 г.</a:t>
             </a:fld>
             <a:endParaRPr lang="bg-BG"/>
           </a:p>
@@ -7344,7 +7344,7 @@
           <a:p>
             <a:fld id="{EECECD58-3745-487F-ABCE-BEDA9DA6B41F}" type="datetimeFigureOut">
               <a:rPr lang="bg-BG" smtClean="0"/>
-              <a:t>25.1.2022 г.</a:t>
+              <a:t>6.6.2024 г.</a:t>
             </a:fld>
             <a:endParaRPr lang="bg-BG"/>
           </a:p>
@@ -7594,7 +7594,7 @@
           <a:p>
             <a:fld id="{EECECD58-3745-487F-ABCE-BEDA9DA6B41F}" type="datetimeFigureOut">
               <a:rPr lang="bg-BG" smtClean="0"/>
-              <a:t>25.1.2022 г.</a:t>
+              <a:t>6.6.2024 г.</a:t>
             </a:fld>
             <a:endParaRPr lang="bg-BG"/>
           </a:p>
@@ -7826,7 +7826,7 @@
           <a:p>
             <a:fld id="{EECECD58-3745-487F-ABCE-BEDA9DA6B41F}" type="datetimeFigureOut">
               <a:rPr lang="bg-BG" smtClean="0"/>
-              <a:t>25.1.2022 г.</a:t>
+              <a:t>6.6.2024 г.</a:t>
             </a:fld>
             <a:endParaRPr lang="bg-BG"/>
           </a:p>
@@ -8207,7 +8207,7 @@
           <a:p>
             <a:fld id="{EECECD58-3745-487F-ABCE-BEDA9DA6B41F}" type="datetimeFigureOut">
               <a:rPr lang="bg-BG" smtClean="0"/>
-              <a:t>25.1.2022 г.</a:t>
+              <a:t>6.6.2024 г.</a:t>
             </a:fld>
             <a:endParaRPr lang="bg-BG"/>
           </a:p>
@@ -8325,7 +8325,7 @@
           <a:p>
             <a:fld id="{EECECD58-3745-487F-ABCE-BEDA9DA6B41F}" type="datetimeFigureOut">
               <a:rPr lang="bg-BG" smtClean="0"/>
-              <a:t>25.1.2022 г.</a:t>
+              <a:t>6.6.2024 г.</a:t>
             </a:fld>
             <a:endParaRPr lang="bg-BG"/>
           </a:p>
@@ -8420,7 +8420,7 @@
           <a:p>
             <a:fld id="{EECECD58-3745-487F-ABCE-BEDA9DA6B41F}" type="datetimeFigureOut">
               <a:rPr lang="bg-BG" smtClean="0"/>
-              <a:t>25.1.2022 г.</a:t>
+              <a:t>6.6.2024 г.</a:t>
             </a:fld>
             <a:endParaRPr lang="bg-BG"/>
           </a:p>
@@ -8669,7 +8669,7 @@
           <a:p>
             <a:fld id="{EECECD58-3745-487F-ABCE-BEDA9DA6B41F}" type="datetimeFigureOut">
               <a:rPr lang="bg-BG" smtClean="0"/>
-              <a:t>25.1.2022 г.</a:t>
+              <a:t>6.6.2024 г.</a:t>
             </a:fld>
             <a:endParaRPr lang="bg-BG"/>
           </a:p>
@@ -8949,7 +8949,7 @@
           <a:p>
             <a:fld id="{EECECD58-3745-487F-ABCE-BEDA9DA6B41F}" type="datetimeFigureOut">
               <a:rPr lang="bg-BG" smtClean="0"/>
-              <a:t>25.1.2022 г.</a:t>
+              <a:t>6.6.2024 г.</a:t>
             </a:fld>
             <a:endParaRPr lang="bg-BG"/>
           </a:p>
@@ -9065,7 +9065,7 @@
           <a:noFill/>
           <a:extLst>
             <a:ext uri="{909E8E84-426E-40dd-AFC4-6F175D3DCCD1}">
-              <a14:hiddenFill xmlns="" xmlns:a14="http://schemas.microsoft.com/office/drawing/2010/main">
+              <a14:hiddenFill xmlns:a14="http://schemas.microsoft.com/office/drawing/2010/main" xmlns="">
                 <a:solidFill>
                   <a:srgbClr val="FFFFFF"/>
                 </a:solidFill>
@@ -9139,7 +9139,7 @@
               </a:ln>
               <a:extLst>
                 <a:ext uri="{91240B29-F687-4f45-9708-019B960494DF}">
-                  <a14:hiddenLine xmlns="" xmlns:a14="http://schemas.microsoft.com/office/drawing/2010/main" w="9525">
+                  <a14:hiddenLine xmlns:a14="http://schemas.microsoft.com/office/drawing/2010/main" xmlns="" w="9525">
                     <a:solidFill>
                       <a:srgbClr val="000000"/>
                     </a:solidFill>
@@ -9229,7 +9229,7 @@
               </a:ln>
               <a:extLst>
                 <a:ext uri="{91240B29-F687-4f45-9708-019B960494DF}">
-                  <a14:hiddenLine xmlns="" xmlns:a14="http://schemas.microsoft.com/office/drawing/2010/main" w="9525">
+                  <a14:hiddenLine xmlns:a14="http://schemas.microsoft.com/office/drawing/2010/main" xmlns="" w="9525">
                     <a:solidFill>
                       <a:srgbClr val="000000"/>
                     </a:solidFill>
@@ -9319,7 +9319,7 @@
               </a:ln>
               <a:extLst>
                 <a:ext uri="{91240B29-F687-4f45-9708-019B960494DF}">
-                  <a14:hiddenLine xmlns="" xmlns:a14="http://schemas.microsoft.com/office/drawing/2010/main" w="9525">
+                  <a14:hiddenLine xmlns:a14="http://schemas.microsoft.com/office/drawing/2010/main" xmlns="" w="9525">
                     <a:solidFill>
                       <a:srgbClr val="000000"/>
                     </a:solidFill>
@@ -9381,7 +9381,7 @@
               </a:ln>
               <a:extLst>
                 <a:ext uri="{91240B29-F687-4f45-9708-019B960494DF}">
-                  <a14:hiddenLine xmlns="" xmlns:a14="http://schemas.microsoft.com/office/drawing/2010/main" w="9525">
+                  <a14:hiddenLine xmlns:a14="http://schemas.microsoft.com/office/drawing/2010/main" xmlns="" w="9525">
                     <a:solidFill>
                       <a:srgbClr val="000000"/>
                     </a:solidFill>
@@ -9471,7 +9471,7 @@
               </a:ln>
               <a:extLst>
                 <a:ext uri="{91240B29-F687-4f45-9708-019B960494DF}">
-                  <a14:hiddenLine xmlns="" xmlns:a14="http://schemas.microsoft.com/office/drawing/2010/main" w="9525">
+                  <a14:hiddenLine xmlns:a14="http://schemas.microsoft.com/office/drawing/2010/main" xmlns="" w="9525">
                     <a:solidFill>
                       <a:srgbClr val="000000"/>
                     </a:solidFill>
@@ -9533,7 +9533,7 @@
               </a:ln>
               <a:extLst>
                 <a:ext uri="{91240B29-F687-4f45-9708-019B960494DF}">
-                  <a14:hiddenLine xmlns="" xmlns:a14="http://schemas.microsoft.com/office/drawing/2010/main" w="9525">
+                  <a14:hiddenLine xmlns:a14="http://schemas.microsoft.com/office/drawing/2010/main" xmlns="" w="9525">
                     <a:solidFill>
                       <a:srgbClr val="000000"/>
                     </a:solidFill>
@@ -9595,7 +9595,7 @@
               </a:ln>
               <a:extLst>
                 <a:ext uri="{91240B29-F687-4f45-9708-019B960494DF}">
-                  <a14:hiddenLine xmlns="" xmlns:a14="http://schemas.microsoft.com/office/drawing/2010/main" w="9525">
+                  <a14:hiddenLine xmlns:a14="http://schemas.microsoft.com/office/drawing/2010/main" xmlns="" w="9525">
                     <a:solidFill>
                       <a:srgbClr val="000000"/>
                     </a:solidFill>
@@ -9685,7 +9685,7 @@
               </a:ln>
               <a:extLst>
                 <a:ext uri="{91240B29-F687-4f45-9708-019B960494DF}">
-                  <a14:hiddenLine xmlns="" xmlns:a14="http://schemas.microsoft.com/office/drawing/2010/main" w="9525">
+                  <a14:hiddenLine xmlns:a14="http://schemas.microsoft.com/office/drawing/2010/main" xmlns="" w="9525">
                     <a:solidFill>
                       <a:srgbClr val="000000"/>
                     </a:solidFill>
@@ -9775,7 +9775,7 @@
               </a:ln>
               <a:extLst>
                 <a:ext uri="{91240B29-F687-4f45-9708-019B960494DF}">
-                  <a14:hiddenLine xmlns="" xmlns:a14="http://schemas.microsoft.com/office/drawing/2010/main" w="9525">
+                  <a14:hiddenLine xmlns:a14="http://schemas.microsoft.com/office/drawing/2010/main" xmlns="" w="9525">
                     <a:solidFill>
                       <a:srgbClr val="000000"/>
                     </a:solidFill>
@@ -9837,7 +9837,7 @@
               </a:ln>
               <a:extLst>
                 <a:ext uri="{91240B29-F687-4f45-9708-019B960494DF}">
-                  <a14:hiddenLine xmlns="" xmlns:a14="http://schemas.microsoft.com/office/drawing/2010/main" w="9525">
+                  <a14:hiddenLine xmlns:a14="http://schemas.microsoft.com/office/drawing/2010/main" xmlns="" w="9525">
                     <a:solidFill>
                       <a:srgbClr val="000000"/>
                     </a:solidFill>
@@ -9947,7 +9947,7 @@
               </a:ln>
               <a:extLst>
                 <a:ext uri="{91240B29-F687-4f45-9708-019B960494DF}">
-                  <a14:hiddenLine xmlns="" xmlns:a14="http://schemas.microsoft.com/office/drawing/2010/main" w="9525">
+                  <a14:hiddenLine xmlns:a14="http://schemas.microsoft.com/office/drawing/2010/main" xmlns="" w="9525">
                     <a:solidFill>
                       <a:srgbClr val="000000"/>
                     </a:solidFill>
@@ -10031,7 +10031,7 @@
               </a:ln>
               <a:extLst>
                 <a:ext uri="{91240B29-F687-4f45-9708-019B960494DF}">
-                  <a14:hiddenLine xmlns="" xmlns:a14="http://schemas.microsoft.com/office/drawing/2010/main" w="9525">
+                  <a14:hiddenLine xmlns:a14="http://schemas.microsoft.com/office/drawing/2010/main" xmlns="" w="9525">
                     <a:solidFill>
                       <a:srgbClr val="000000"/>
                     </a:solidFill>
@@ -10093,7 +10093,7 @@
               </a:ln>
               <a:extLst>
                 <a:ext uri="{91240B29-F687-4f45-9708-019B960494DF}">
-                  <a14:hiddenLine xmlns="" xmlns:a14="http://schemas.microsoft.com/office/drawing/2010/main" w="9525">
+                  <a14:hiddenLine xmlns:a14="http://schemas.microsoft.com/office/drawing/2010/main" xmlns="" w="9525">
                     <a:solidFill>
                       <a:srgbClr val="000000"/>
                     </a:solidFill>
@@ -10155,7 +10155,7 @@
               </a:ln>
               <a:extLst>
                 <a:ext uri="{91240B29-F687-4f45-9708-019B960494DF}">
-                  <a14:hiddenLine xmlns="" xmlns:a14="http://schemas.microsoft.com/office/drawing/2010/main" w="9525">
+                  <a14:hiddenLine xmlns:a14="http://schemas.microsoft.com/office/drawing/2010/main" xmlns="" w="9525">
                     <a:solidFill>
                       <a:srgbClr val="000000"/>
                     </a:solidFill>
@@ -10245,7 +10245,7 @@
               </a:ln>
               <a:extLst>
                 <a:ext uri="{91240B29-F687-4f45-9708-019B960494DF}">
-                  <a14:hiddenLine xmlns="" xmlns:a14="http://schemas.microsoft.com/office/drawing/2010/main" w="9525">
+                  <a14:hiddenLine xmlns:a14="http://schemas.microsoft.com/office/drawing/2010/main" xmlns="" w="9525">
                     <a:solidFill>
                       <a:srgbClr val="000000"/>
                     </a:solidFill>
@@ -10279,7 +10279,7 @@
               </a:ln>
               <a:extLst>
                 <a:ext uri="{91240B29-F687-4f45-9708-019B960494DF}">
-                  <a14:hiddenLine xmlns="" xmlns:a14="http://schemas.microsoft.com/office/drawing/2010/main" w="9525">
+                  <a14:hiddenLine xmlns:a14="http://schemas.microsoft.com/office/drawing/2010/main" xmlns="" w="9525">
                     <a:solidFill>
                       <a:srgbClr val="000000"/>
                     </a:solidFill>
@@ -10344,7 +10344,7 @@
               </a:ln>
               <a:extLst>
                 <a:ext uri="{91240B29-F687-4f45-9708-019B960494DF}">
-                  <a14:hiddenLine xmlns="" xmlns:a14="http://schemas.microsoft.com/office/drawing/2010/main" w="9525">
+                  <a14:hiddenLine xmlns:a14="http://schemas.microsoft.com/office/drawing/2010/main" xmlns="" w="9525">
                     <a:solidFill>
                       <a:srgbClr val="000000"/>
                     </a:solidFill>
@@ -10434,7 +10434,7 @@
               </a:ln>
               <a:extLst>
                 <a:ext uri="{91240B29-F687-4f45-9708-019B960494DF}">
-                  <a14:hiddenLine xmlns="" xmlns:a14="http://schemas.microsoft.com/office/drawing/2010/main" w="9525">
+                  <a14:hiddenLine xmlns:a14="http://schemas.microsoft.com/office/drawing/2010/main" xmlns="" w="9525">
                     <a:solidFill>
                       <a:srgbClr val="000000"/>
                     </a:solidFill>
@@ -10496,7 +10496,7 @@
               </a:ln>
               <a:extLst>
                 <a:ext uri="{91240B29-F687-4f45-9708-019B960494DF}">
-                  <a14:hiddenLine xmlns="" xmlns:a14="http://schemas.microsoft.com/office/drawing/2010/main" w="9525">
+                  <a14:hiddenLine xmlns:a14="http://schemas.microsoft.com/office/drawing/2010/main" xmlns="" w="9525">
                     <a:solidFill>
                       <a:srgbClr val="000000"/>
                     </a:solidFill>
@@ -10586,7 +10586,7 @@
               </a:ln>
               <a:extLst>
                 <a:ext uri="{91240B29-F687-4f45-9708-019B960494DF}">
-                  <a14:hiddenLine xmlns="" xmlns:a14="http://schemas.microsoft.com/office/drawing/2010/main" w="9525">
+                  <a14:hiddenLine xmlns:a14="http://schemas.microsoft.com/office/drawing/2010/main" xmlns="" w="9525">
                     <a:solidFill>
                       <a:srgbClr val="000000"/>
                     </a:solidFill>
@@ -10651,7 +10651,7 @@
               </a:ln>
               <a:extLst>
                 <a:ext uri="{91240B29-F687-4f45-9708-019B960494DF}">
-                  <a14:hiddenLine xmlns="" xmlns:a14="http://schemas.microsoft.com/office/drawing/2010/main" w="9525">
+                  <a14:hiddenLine xmlns:a14="http://schemas.microsoft.com/office/drawing/2010/main" xmlns="" w="9525">
                     <a:solidFill>
                       <a:srgbClr val="000000"/>
                     </a:solidFill>
@@ -10713,7 +10713,7 @@
               </a:ln>
               <a:extLst>
                 <a:ext uri="{91240B29-F687-4f45-9708-019B960494DF}">
-                  <a14:hiddenLine xmlns="" xmlns:a14="http://schemas.microsoft.com/office/drawing/2010/main" w="9525">
+                  <a14:hiddenLine xmlns:a14="http://schemas.microsoft.com/office/drawing/2010/main" xmlns="" w="9525">
                     <a:solidFill>
                       <a:srgbClr val="000000"/>
                     </a:solidFill>
@@ -10803,7 +10803,7 @@
               </a:ln>
               <a:extLst>
                 <a:ext uri="{91240B29-F687-4f45-9708-019B960494DF}">
-                  <a14:hiddenLine xmlns="" xmlns:a14="http://schemas.microsoft.com/office/drawing/2010/main" w="9525">
+                  <a14:hiddenLine xmlns:a14="http://schemas.microsoft.com/office/drawing/2010/main" xmlns="" w="9525">
                     <a:solidFill>
                       <a:srgbClr val="000000"/>
                     </a:solidFill>
@@ -10893,7 +10893,7 @@
               </a:ln>
               <a:extLst>
                 <a:ext uri="{91240B29-F687-4f45-9708-019B960494DF}">
-                  <a14:hiddenLine xmlns="" xmlns:a14="http://schemas.microsoft.com/office/drawing/2010/main" w="9525">
+                  <a14:hiddenLine xmlns:a14="http://schemas.microsoft.com/office/drawing/2010/main" xmlns="" w="9525">
                     <a:solidFill>
                       <a:srgbClr val="000000"/>
                     </a:solidFill>
@@ -10958,7 +10958,7 @@
               </a:ln>
               <a:extLst>
                 <a:ext uri="{91240B29-F687-4f45-9708-019B960494DF}">
-                  <a14:hiddenLine xmlns="" xmlns:a14="http://schemas.microsoft.com/office/drawing/2010/main" w="9525">
+                  <a14:hiddenLine xmlns:a14="http://schemas.microsoft.com/office/drawing/2010/main" xmlns="" w="9525">
                     <a:solidFill>
                       <a:srgbClr val="000000"/>
                     </a:solidFill>
@@ -11078,7 +11078,7 @@
               </a:ln>
               <a:extLst>
                 <a:ext uri="{91240B29-F687-4f45-9708-019B960494DF}">
-                  <a14:hiddenLine xmlns="" xmlns:a14="http://schemas.microsoft.com/office/drawing/2010/main" w="9525">
+                  <a14:hiddenLine xmlns:a14="http://schemas.microsoft.com/office/drawing/2010/main" xmlns="" w="9525">
                     <a:solidFill>
                       <a:srgbClr val="000000"/>
                     </a:solidFill>
@@ -11176,7 +11176,7 @@
               </a:ln>
               <a:extLst>
                 <a:ext uri="{91240B29-F687-4f45-9708-019B960494DF}">
-                  <a14:hiddenLine xmlns="" xmlns:a14="http://schemas.microsoft.com/office/drawing/2010/main" w="9525">
+                  <a14:hiddenLine xmlns:a14="http://schemas.microsoft.com/office/drawing/2010/main" xmlns="" w="9525">
                     <a:solidFill>
                       <a:srgbClr val="000000"/>
                     </a:solidFill>
@@ -11291,7 +11291,7 @@
               </a:ln>
               <a:extLst>
                 <a:ext uri="{91240B29-F687-4f45-9708-019B960494DF}">
-                  <a14:hiddenLine xmlns="" xmlns:a14="http://schemas.microsoft.com/office/drawing/2010/main" w="9525">
+                  <a14:hiddenLine xmlns:a14="http://schemas.microsoft.com/office/drawing/2010/main" xmlns="" w="9525">
                     <a:solidFill>
                       <a:srgbClr val="000000"/>
                     </a:solidFill>
@@ -11381,7 +11381,7 @@
               </a:ln>
               <a:extLst>
                 <a:ext uri="{91240B29-F687-4f45-9708-019B960494DF}">
-                  <a14:hiddenLine xmlns="" xmlns:a14="http://schemas.microsoft.com/office/drawing/2010/main" w="9525">
+                  <a14:hiddenLine xmlns:a14="http://schemas.microsoft.com/office/drawing/2010/main" xmlns="" w="9525">
                     <a:solidFill>
                       <a:srgbClr val="000000"/>
                     </a:solidFill>
@@ -11446,7 +11446,7 @@
               </a:ln>
               <a:extLst>
                 <a:ext uri="{91240B29-F687-4f45-9708-019B960494DF}">
-                  <a14:hiddenLine xmlns="" xmlns:a14="http://schemas.microsoft.com/office/drawing/2010/main" w="9525">
+                  <a14:hiddenLine xmlns:a14="http://schemas.microsoft.com/office/drawing/2010/main" xmlns="" w="9525">
                     <a:solidFill>
                       <a:srgbClr val="000000"/>
                     </a:solidFill>
@@ -11536,7 +11536,7 @@
               </a:ln>
               <a:extLst>
                 <a:ext uri="{91240B29-F687-4f45-9708-019B960494DF}">
-                  <a14:hiddenLine xmlns="" xmlns:a14="http://schemas.microsoft.com/office/drawing/2010/main" w="9525">
+                  <a14:hiddenLine xmlns:a14="http://schemas.microsoft.com/office/drawing/2010/main" xmlns="" w="9525">
                     <a:solidFill>
                       <a:srgbClr val="000000"/>
                     </a:solidFill>
@@ -11604,7 +11604,7 @@
               </a:ln>
               <a:extLst>
                 <a:ext uri="{91240B29-F687-4f45-9708-019B960494DF}">
-                  <a14:hiddenLine xmlns="" xmlns:a14="http://schemas.microsoft.com/office/drawing/2010/main" w="9525">
+                  <a14:hiddenLine xmlns:a14="http://schemas.microsoft.com/office/drawing/2010/main" xmlns="" w="9525">
                     <a:solidFill>
                       <a:srgbClr val="000000"/>
                     </a:solidFill>
@@ -11694,7 +11694,7 @@
               </a:ln>
               <a:extLst>
                 <a:ext uri="{91240B29-F687-4f45-9708-019B960494DF}">
-                  <a14:hiddenLine xmlns="" xmlns:a14="http://schemas.microsoft.com/office/drawing/2010/main" w="9525">
+                  <a14:hiddenLine xmlns:a14="http://schemas.microsoft.com/office/drawing/2010/main" xmlns="" w="9525">
                     <a:solidFill>
                       <a:srgbClr val="000000"/>
                     </a:solidFill>
@@ -11762,7 +11762,7 @@
               </a:ln>
               <a:extLst>
                 <a:ext uri="{91240B29-F687-4f45-9708-019B960494DF}">
-                  <a14:hiddenLine xmlns="" xmlns:a14="http://schemas.microsoft.com/office/drawing/2010/main" w="9525">
+                  <a14:hiddenLine xmlns:a14="http://schemas.microsoft.com/office/drawing/2010/main" xmlns="" w="9525">
                     <a:solidFill>
                       <a:srgbClr val="000000"/>
                     </a:solidFill>
@@ -11852,7 +11852,7 @@
               </a:ln>
               <a:extLst>
                 <a:ext uri="{91240B29-F687-4f45-9708-019B960494DF}">
-                  <a14:hiddenLine xmlns="" xmlns:a14="http://schemas.microsoft.com/office/drawing/2010/main" w="9525">
+                  <a14:hiddenLine xmlns:a14="http://schemas.microsoft.com/office/drawing/2010/main" xmlns="" w="9525">
                     <a:solidFill>
                       <a:srgbClr val="000000"/>
                     </a:solidFill>
@@ -11886,7 +11886,7 @@
               </a:ln>
               <a:extLst>
                 <a:ext uri="{91240B29-F687-4f45-9708-019B960494DF}">
-                  <a14:hiddenLine xmlns="" xmlns:a14="http://schemas.microsoft.com/office/drawing/2010/main" w="9525">
+                  <a14:hiddenLine xmlns:a14="http://schemas.microsoft.com/office/drawing/2010/main" xmlns="" w="9525">
                     <a:solidFill>
                       <a:srgbClr val="000000"/>
                     </a:solidFill>
@@ -12026,7 +12026,7 @@
           <a:p>
             <a:fld id="{EECECD58-3745-487F-ABCE-BEDA9DA6B41F}" type="datetimeFigureOut">
               <a:rPr lang="bg-BG" smtClean="0"/>
-              <a:t>25.1.2022 г.</a:t>
+              <a:t>6.6.2024 г.</a:t>
             </a:fld>
             <a:endParaRPr lang="bg-BG"/>
           </a:p>
@@ -12488,8 +12488,8 @@
         </p:nvSpPr>
         <p:spPr>
           <a:xfrm>
-            <a:off x="5063706" y="6150634"/>
-            <a:ext cx="7323826" cy="446276"/>
+            <a:off x="8229600" y="6150634"/>
+            <a:ext cx="4157932" cy="400110"/>
           </a:xfrm>
           <a:prstGeom prst="rect">
             <a:avLst/>
@@ -12508,15 +12508,7 @@
                   <a:schemeClr val="tx2"/>
                 </a:solidFill>
               </a:rPr>
-              <a:t>Изготвили: Калоян Пеевски и Славена </a:t>
-            </a:r>
-            <a:r>
-              <a:rPr lang="bg-BG" sz="2000" dirty="0" err="1" smtClean="0">
-                <a:solidFill>
-                  <a:schemeClr val="tx2"/>
-                </a:solidFill>
-              </a:rPr>
-              <a:t>Дудренова</a:t>
+              <a:t>Изготвил: </a:t>
             </a:r>
             <a:r>
               <a:rPr lang="bg-BG" sz="2000" dirty="0" smtClean="0">
@@ -12524,31 +12516,7 @@
                   <a:schemeClr val="tx2"/>
                 </a:solidFill>
               </a:rPr>
-              <a:t> – </a:t>
-            </a:r>
-            <a:r>
-              <a:rPr lang="en-US" sz="2000" dirty="0" smtClean="0">
-                <a:solidFill>
-                  <a:schemeClr val="tx2"/>
-                </a:solidFill>
-              </a:rPr>
-              <a:t>XII </a:t>
-            </a:r>
-            <a:r>
-              <a:rPr lang="bg-BG" sz="2300" baseline="30000" dirty="0" smtClean="0">
-                <a:solidFill>
-                  <a:schemeClr val="tx2"/>
-                </a:solidFill>
-              </a:rPr>
-              <a:t>е</a:t>
-            </a:r>
-            <a:r>
-              <a:rPr lang="bg-BG" sz="2300" dirty="0" smtClean="0">
-                <a:solidFill>
-                  <a:schemeClr val="tx2"/>
-                </a:solidFill>
-              </a:rPr>
-              <a:t> </a:t>
+              <a:t>Калоян </a:t>
             </a:r>
             <a:r>
               <a:rPr lang="bg-BG" sz="2000" dirty="0" smtClean="0">
@@ -12556,7 +12524,7 @@
                   <a:schemeClr val="tx2"/>
                 </a:solidFill>
               </a:rPr>
-              <a:t>клас </a:t>
+              <a:t>Пеевски</a:t>
             </a:r>
             <a:endParaRPr lang="bg-BG" sz="2000" dirty="0">
               <a:solidFill>
@@ -12848,7 +12816,11 @@
             <a:pPr algn="ctr"/>
             <a:r>
               <a:rPr lang="bg-BG" sz="7000" dirty="0" smtClean="0"/>
-              <a:t>Благодарим ви за вниманието!</a:t>
+              <a:t>Благодаря </a:t>
+            </a:r>
+            <a:r>
+              <a:rPr lang="bg-BG" sz="7000" dirty="0" smtClean="0"/>
+              <a:t>ви за вниманието!</a:t>
             </a:r>
             <a:endParaRPr lang="bg-BG" sz="7000" dirty="0"/>
           </a:p>
